--- a/public/cursus/web-backend-intro.pptx
+++ b/public/cursus/web-backend-intro.pptx
@@ -13,18 +13,19 @@
     <p:sldId id="262" r:id="rId7"/>
     <p:sldId id="263" r:id="rId8"/>
     <p:sldId id="264" r:id="rId9"/>
-    <p:sldId id="265" r:id="rId10"/>
-    <p:sldId id="267" r:id="rId11"/>
-    <p:sldId id="270" r:id="rId12"/>
-    <p:sldId id="266" r:id="rId13"/>
-    <p:sldId id="268" r:id="rId14"/>
-    <p:sldId id="269" r:id="rId15"/>
-    <p:sldId id="271" r:id="rId16"/>
+    <p:sldId id="271" r:id="rId10"/>
+    <p:sldId id="265" r:id="rId11"/>
+    <p:sldId id="267" r:id="rId12"/>
+    <p:sldId id="270" r:id="rId13"/>
+    <p:sldId id="266" r:id="rId14"/>
+    <p:sldId id="268" r:id="rId15"/>
+    <p:sldId id="269" r:id="rId16"/>
     <p:sldId id="272" r:id="rId17"/>
-    <p:sldId id="273" r:id="rId18"/>
-    <p:sldId id="275" r:id="rId19"/>
-    <p:sldId id="277" r:id="rId20"/>
-    <p:sldId id="276" r:id="rId21"/>
+    <p:sldId id="275" r:id="rId18"/>
+    <p:sldId id="273" r:id="rId19"/>
+    <p:sldId id="278" r:id="rId20"/>
+    <p:sldId id="277" r:id="rId21"/>
+    <p:sldId id="276" r:id="rId22"/>
   </p:sldIdLst>
   <p:sldSz cx="9144000" cy="6858000" type="screen4x3"/>
   <p:notesSz cx="6858000" cy="9144000"/>
@@ -327,7 +328,7 @@
             <a:fld id="{1D8BD707-D9CF-40AE-B4C6-C98DA3205C09}" type="datetimeFigureOut">
               <a:rPr lang="en-US" smtClean="0"/>
               <a:pPr/>
-              <a:t>7/27/2014</a:t>
+              <a:t>11/13/2014</a:t>
             </a:fld>
             <a:endParaRPr lang="en-US"/>
           </a:p>
@@ -510,7 +511,7 @@
             <a:fld id="{1D8BD707-D9CF-40AE-B4C6-C98DA3205C09}" type="datetimeFigureOut">
               <a:rPr lang="en-US" smtClean="0"/>
               <a:pPr/>
-              <a:t>7/27/2014</a:t>
+              <a:t>11/13/2014</a:t>
             </a:fld>
             <a:endParaRPr lang="en-US"/>
           </a:p>
@@ -687,7 +688,7 @@
             <a:fld id="{1D8BD707-D9CF-40AE-B4C6-C98DA3205C09}" type="datetimeFigureOut">
               <a:rPr lang="en-US" smtClean="0"/>
               <a:pPr/>
-              <a:t>7/27/2014</a:t>
+              <a:t>11/13/2014</a:t>
             </a:fld>
             <a:endParaRPr lang="en-US"/>
           </a:p>
@@ -870,7 +871,7 @@
             <a:fld id="{1D8BD707-D9CF-40AE-B4C6-C98DA3205C09}" type="datetimeFigureOut">
               <a:rPr lang="en-US" smtClean="0"/>
               <a:pPr/>
-              <a:t>7/27/2014</a:t>
+              <a:t>11/13/2014</a:t>
             </a:fld>
             <a:endParaRPr lang="en-US"/>
           </a:p>
@@ -1120,7 +1121,7 @@
             <a:fld id="{1D8BD707-D9CF-40AE-B4C6-C98DA3205C09}" type="datetimeFigureOut">
               <a:rPr lang="en-US" smtClean="0"/>
               <a:pPr/>
-              <a:t>7/27/2014</a:t>
+              <a:t>11/13/2014</a:t>
             </a:fld>
             <a:endParaRPr lang="en-US"/>
           </a:p>
@@ -1405,7 +1406,7 @@
             <a:fld id="{1D8BD707-D9CF-40AE-B4C6-C98DA3205C09}" type="datetimeFigureOut">
               <a:rPr lang="en-US" smtClean="0"/>
               <a:pPr/>
-              <a:t>7/27/2014</a:t>
+              <a:t>11/13/2014</a:t>
             </a:fld>
             <a:endParaRPr lang="en-US"/>
           </a:p>
@@ -1824,7 +1825,7 @@
             <a:fld id="{1D8BD707-D9CF-40AE-B4C6-C98DA3205C09}" type="datetimeFigureOut">
               <a:rPr lang="en-US" smtClean="0"/>
               <a:pPr/>
-              <a:t>7/27/2014</a:t>
+              <a:t>11/13/2014</a:t>
             </a:fld>
             <a:endParaRPr lang="en-US"/>
           </a:p>
@@ -1939,7 +1940,7 @@
             <a:fld id="{1D8BD707-D9CF-40AE-B4C6-C98DA3205C09}" type="datetimeFigureOut">
               <a:rPr lang="en-US" smtClean="0"/>
               <a:pPr/>
-              <a:t>7/27/2014</a:t>
+              <a:t>11/13/2014</a:t>
             </a:fld>
             <a:endParaRPr lang="en-US"/>
           </a:p>
@@ -2031,7 +2032,7 @@
             <a:fld id="{1D8BD707-D9CF-40AE-B4C6-C98DA3205C09}" type="datetimeFigureOut">
               <a:rPr lang="en-US" smtClean="0"/>
               <a:pPr/>
-              <a:t>7/27/2014</a:t>
+              <a:t>11/13/2014</a:t>
             </a:fld>
             <a:endParaRPr lang="en-US"/>
           </a:p>
@@ -2305,7 +2306,7 @@
             <a:fld id="{1D8BD707-D9CF-40AE-B4C6-C98DA3205C09}" type="datetimeFigureOut">
               <a:rPr lang="en-US" smtClean="0"/>
               <a:pPr/>
-              <a:t>7/27/2014</a:t>
+              <a:t>11/13/2014</a:t>
             </a:fld>
             <a:endParaRPr lang="en-US"/>
           </a:p>
@@ -2555,7 +2556,7 @@
             <a:fld id="{1D8BD707-D9CF-40AE-B4C6-C98DA3205C09}" type="datetimeFigureOut">
               <a:rPr lang="en-US" smtClean="0"/>
               <a:pPr/>
-              <a:t>7/27/2014</a:t>
+              <a:t>11/13/2014</a:t>
             </a:fld>
             <a:endParaRPr lang="en-US"/>
           </a:p>
@@ -2766,7 +2767,7 @@
             <a:fld id="{1D8BD707-D9CF-40AE-B4C6-C98DA3205C09}" type="datetimeFigureOut">
               <a:rPr lang="en-US" smtClean="0"/>
               <a:pPr/>
-              <a:t>7/27/2014</a:t>
+              <a:t>11/13/2014</a:t>
             </a:fld>
             <a:endParaRPr lang="en-US"/>
           </a:p>
@@ -3228,6 +3229,138 @@
           <a:chExt cx="0" cy="0"/>
         </a:xfrm>
       </p:grpSpPr>
+      <p:sp>
+        <p:nvSpPr>
+          <p:cNvPr id="2" name="Title 1"/>
+          <p:cNvSpPr>
+            <a:spLocks noGrp="1"/>
+          </p:cNvSpPr>
+          <p:nvPr>
+            <p:ph type="title"/>
+          </p:nvPr>
+        </p:nvSpPr>
+        <p:spPr/>
+        <p:txBody>
+          <a:bodyPr/>
+          <a:lstStyle/>
+          <a:p>
+            <a:pPr algn="l"/>
+            <a:r>
+              <a:rPr lang="nl-BE" dirty="0"/>
+              <a:t> </a:t>
+            </a:r>
+            <a:r>
+              <a:rPr lang="nl-BE" b="1" dirty="0" smtClean="0"/>
+              <a:t>LESiNHOUD</a:t>
+            </a:r>
+            <a:endParaRPr lang="nl-BE" b="1" dirty="0"/>
+          </a:p>
+        </p:txBody>
+      </p:sp>
+      <p:sp>
+        <p:nvSpPr>
+          <p:cNvPr id="3" name="Content Placeholder 2"/>
+          <p:cNvSpPr>
+            <a:spLocks noGrp="1"/>
+          </p:cNvSpPr>
+          <p:nvPr>
+            <p:ph idx="1"/>
+          </p:nvPr>
+        </p:nvSpPr>
+        <p:spPr/>
+        <p:txBody>
+          <a:bodyPr/>
+          <a:lstStyle/>
+          <a:p>
+            <a:pPr marL="0" indent="0">
+              <a:buNone/>
+            </a:pPr>
+            <a:r>
+              <a:rPr lang="nl-BE" dirty="0" smtClean="0"/>
+              <a:t>:: create // read // update // delete (MySQL)</a:t>
+            </a:r>
+            <a:endParaRPr lang="nl-BE" dirty="0"/>
+          </a:p>
+        </p:txBody>
+      </p:sp>
+      <p:pic>
+        <p:nvPicPr>
+          <p:cNvPr id="5122" name="Picture 2" descr="http://slides.alwaysdata.com/201211_django_alwaysdata/images/crud.jpg"/>
+          <p:cNvPicPr>
+            <a:picLocks noChangeAspect="1" noChangeArrowheads="1"/>
+          </p:cNvPicPr>
+          <p:nvPr/>
+        </p:nvPicPr>
+        <p:blipFill>
+          <a:blip r:embed="rId2">
+            <a:extLst>
+              <a:ext uri="{28A0092B-C50C-407E-A947-70E740481C1C}">
+                <a14:useLocalDpi xmlns:a14="http://schemas.microsoft.com/office/drawing/2010/main" val="0"/>
+              </a:ext>
+            </a:extLst>
+          </a:blip>
+          <a:srcRect/>
+          <a:stretch>
+            <a:fillRect/>
+          </a:stretch>
+        </p:blipFill>
+        <p:spPr bwMode="auto">
+          <a:xfrm>
+            <a:off x="1828800" y="2819400"/>
+            <a:ext cx="5229225" cy="4705351"/>
+          </a:xfrm>
+          <a:prstGeom prst="rect">
+            <a:avLst/>
+          </a:prstGeom>
+          <a:noFill/>
+          <a:extLst>
+            <a:ext uri="{909E8E84-426E-40DD-AFC4-6F175D3DCCD1}">
+              <a14:hiddenFill xmlns:a14="http://schemas.microsoft.com/office/drawing/2010/main">
+                <a:solidFill>
+                  <a:srgbClr val="FFFFFF"/>
+                </a:solidFill>
+              </a14:hiddenFill>
+            </a:ext>
+          </a:extLst>
+        </p:spPr>
+      </p:pic>
+    </p:spTree>
+    <p:extLst>
+      <p:ext uri="{BB962C8B-B14F-4D97-AF65-F5344CB8AC3E}">
+        <p14:creationId xmlns:p14="http://schemas.microsoft.com/office/powerpoint/2010/main" val="2786846081"/>
+      </p:ext>
+    </p:extLst>
+  </p:cSld>
+  <p:clrMapOvr>
+    <a:masterClrMapping/>
+  </p:clrMapOvr>
+  <p:timing>
+    <p:tnLst>
+      <p:par>
+        <p:cTn id="1" dur="indefinite" restart="never" nodeType="tmRoot"/>
+      </p:par>
+    </p:tnLst>
+  </p:timing>
+</p:sld>
+</file>
+
+<file path=ppt/slides/slide11.xml><?xml version="1.0" encoding="utf-8"?>
+<p:sld xmlns:a="http://schemas.openxmlformats.org/drawingml/2006/main" xmlns:r="http://schemas.openxmlformats.org/officeDocument/2006/relationships" xmlns:p="http://schemas.openxmlformats.org/presentationml/2006/main">
+  <p:cSld>
+    <p:spTree>
+      <p:nvGrpSpPr>
+        <p:cNvPr id="1" name=""/>
+        <p:cNvGrpSpPr/>
+        <p:nvPr/>
+      </p:nvGrpSpPr>
+      <p:grpSpPr>
+        <a:xfrm>
+          <a:off x="0" y="0"/>
+          <a:ext cx="0" cy="0"/>
+          <a:chOff x="0" y="0"/>
+          <a:chExt cx="0" cy="0"/>
+        </a:xfrm>
+      </p:grpSpPr>
       <p:pic>
         <p:nvPicPr>
           <p:cNvPr id="11266" name="Picture 2" descr="Bouncers are security guards for bars and nightclubs"/>
@@ -3414,7 +3547,7 @@
 </p:sld>
 </file>
 
-<file path=ppt/slides/slide11.xml><?xml version="1.0" encoding="utf-8"?>
+<file path=ppt/slides/slide12.xml><?xml version="1.0" encoding="utf-8"?>
 <p:sld xmlns:a="http://schemas.openxmlformats.org/drawingml/2006/main" xmlns:r="http://schemas.openxmlformats.org/officeDocument/2006/relationships" xmlns:p="http://schemas.openxmlformats.org/presentationml/2006/main">
   <p:cSld>
     <p:spTree>
@@ -3546,7 +3679,7 @@
 </p:sld>
 </file>
 
-<file path=ppt/slides/slide12.xml><?xml version="1.0" encoding="utf-8"?>
+<file path=ppt/slides/slide13.xml><?xml version="1.0" encoding="utf-8"?>
 <p:sld xmlns:a="http://schemas.openxmlformats.org/drawingml/2006/main" xmlns:r="http://schemas.openxmlformats.org/officeDocument/2006/relationships" xmlns:p="http://schemas.openxmlformats.org/presentationml/2006/main">
   <p:cSld>
     <p:spTree>
@@ -3678,7 +3811,7 @@
 </p:sld>
 </file>
 
-<file path=ppt/slides/slide13.xml><?xml version="1.0" encoding="utf-8"?>
+<file path=ppt/slides/slide14.xml><?xml version="1.0" encoding="utf-8"?>
 <p:sld xmlns:a="http://schemas.openxmlformats.org/drawingml/2006/main" xmlns:r="http://schemas.openxmlformats.org/officeDocument/2006/relationships" xmlns:p="http://schemas.openxmlformats.org/presentationml/2006/main">
   <p:cSld>
     <p:spTree>
@@ -3823,7 +3956,7 @@
 </p:sld>
 </file>
 
-<file path=ppt/slides/slide14.xml><?xml version="1.0" encoding="utf-8"?>
+<file path=ppt/slides/slide15.xml><?xml version="1.0" encoding="utf-8"?>
 <p:sld xmlns:a="http://schemas.openxmlformats.org/drawingml/2006/main" xmlns:r="http://schemas.openxmlformats.org/officeDocument/2006/relationships" xmlns:p="http://schemas.openxmlformats.org/presentationml/2006/main">
   <p:cSld>
     <p:spTree>
@@ -3952,138 +4085,6 @@
     <p:extLst>
       <p:ext uri="{BB962C8B-B14F-4D97-AF65-F5344CB8AC3E}">
         <p14:creationId xmlns:p14="http://schemas.microsoft.com/office/powerpoint/2010/main" val="2924593800"/>
-      </p:ext>
-    </p:extLst>
-  </p:cSld>
-  <p:clrMapOvr>
-    <a:masterClrMapping/>
-  </p:clrMapOvr>
-  <p:timing>
-    <p:tnLst>
-      <p:par>
-        <p:cTn id="1" dur="indefinite" restart="never" nodeType="tmRoot"/>
-      </p:par>
-    </p:tnLst>
-  </p:timing>
-</p:sld>
-</file>
-
-<file path=ppt/slides/slide15.xml><?xml version="1.0" encoding="utf-8"?>
-<p:sld xmlns:a="http://schemas.openxmlformats.org/drawingml/2006/main" xmlns:r="http://schemas.openxmlformats.org/officeDocument/2006/relationships" xmlns:p="http://schemas.openxmlformats.org/presentationml/2006/main">
-  <p:cSld>
-    <p:spTree>
-      <p:nvGrpSpPr>
-        <p:cNvPr id="1" name=""/>
-        <p:cNvGrpSpPr/>
-        <p:nvPr/>
-      </p:nvGrpSpPr>
-      <p:grpSpPr>
-        <a:xfrm>
-          <a:off x="0" y="0"/>
-          <a:ext cx="0" cy="0"/>
-          <a:chOff x="0" y="0"/>
-          <a:chExt cx="0" cy="0"/>
-        </a:xfrm>
-      </p:grpSpPr>
-      <p:sp>
-        <p:nvSpPr>
-          <p:cNvPr id="2" name="Title 1"/>
-          <p:cNvSpPr>
-            <a:spLocks noGrp="1"/>
-          </p:cNvSpPr>
-          <p:nvPr>
-            <p:ph type="title"/>
-          </p:nvPr>
-        </p:nvSpPr>
-        <p:spPr/>
-        <p:txBody>
-          <a:bodyPr/>
-          <a:lstStyle/>
-          <a:p>
-            <a:pPr algn="l"/>
-            <a:r>
-              <a:rPr lang="nl-BE" dirty="0"/>
-              <a:t> </a:t>
-            </a:r>
-            <a:r>
-              <a:rPr lang="nl-BE" b="1" dirty="0" smtClean="0"/>
-              <a:t>LESiNHOUD</a:t>
-            </a:r>
-            <a:endParaRPr lang="nl-BE" b="1" dirty="0"/>
-          </a:p>
-        </p:txBody>
-      </p:sp>
-      <p:sp>
-        <p:nvSpPr>
-          <p:cNvPr id="3" name="Content Placeholder 2"/>
-          <p:cNvSpPr>
-            <a:spLocks noGrp="1"/>
-          </p:cNvSpPr>
-          <p:nvPr>
-            <p:ph idx="1"/>
-          </p:nvPr>
-        </p:nvSpPr>
-        <p:spPr/>
-        <p:txBody>
-          <a:bodyPr/>
-          <a:lstStyle/>
-          <a:p>
-            <a:pPr marL="0" indent="0">
-              <a:buNone/>
-            </a:pPr>
-            <a:r>
-              <a:rPr lang="nl-BE" dirty="0" smtClean="0"/>
-              <a:t>:: classes</a:t>
-            </a:r>
-            <a:endParaRPr lang="nl-BE" dirty="0"/>
-          </a:p>
-        </p:txBody>
-      </p:sp>
-      <p:pic>
-        <p:nvPicPr>
-          <p:cNvPr id="15362" name="Picture 2" descr="http://img.1mobile.com/market/screenshot/6a/com.adameve.dumbwaystodie/0.jpeg"/>
-          <p:cNvPicPr>
-            <a:picLocks noChangeAspect="1" noChangeArrowheads="1"/>
-          </p:cNvPicPr>
-          <p:nvPr/>
-        </p:nvPicPr>
-        <p:blipFill>
-          <a:blip r:embed="rId2">
-            <a:extLst>
-              <a:ext uri="{28A0092B-C50C-407E-A947-70E740481C1C}">
-                <a14:useLocalDpi xmlns:a14="http://schemas.microsoft.com/office/drawing/2010/main" val="0"/>
-              </a:ext>
-            </a:extLst>
-          </a:blip>
-          <a:srcRect/>
-          <a:stretch>
-            <a:fillRect/>
-          </a:stretch>
-        </p:blipFill>
-        <p:spPr bwMode="auto">
-          <a:xfrm>
-            <a:off x="-304800" y="2438400"/>
-            <a:ext cx="9753600" cy="5483722"/>
-          </a:xfrm>
-          <a:prstGeom prst="rect">
-            <a:avLst/>
-          </a:prstGeom>
-          <a:noFill/>
-          <a:extLst>
-            <a:ext uri="{909E8E84-426E-40DD-AFC4-6F175D3DCCD1}">
-              <a14:hiddenFill xmlns:a14="http://schemas.microsoft.com/office/drawing/2010/main">
-                <a:solidFill>
-                  <a:srgbClr val="FFFFFF"/>
-                </a:solidFill>
-              </a14:hiddenFill>
-            </a:ext>
-          </a:extLst>
-        </p:spPr>
-      </p:pic>
-    </p:spTree>
-    <p:extLst>
-      <p:ext uri="{BB962C8B-B14F-4D97-AF65-F5344CB8AC3E}">
-        <p14:creationId xmlns:p14="http://schemas.microsoft.com/office/powerpoint/2010/main" val="1970782924"/>
       </p:ext>
     </p:extLst>
   </p:cSld>
@@ -4310,138 +4311,6 @@
             </a:pPr>
             <a:r>
               <a:rPr lang="nl-BE" dirty="0" smtClean="0"/>
-              <a:t>:: CodeIgniter</a:t>
-            </a:r>
-            <a:endParaRPr lang="nl-BE" dirty="0"/>
-          </a:p>
-        </p:txBody>
-      </p:sp>
-      <p:pic>
-        <p:nvPicPr>
-          <p:cNvPr id="17410" name="Picture 2" descr="http://jordanclyatt.com/images/codeigniter_logo.png"/>
-          <p:cNvPicPr>
-            <a:picLocks noChangeAspect="1" noChangeArrowheads="1"/>
-          </p:cNvPicPr>
-          <p:nvPr/>
-        </p:nvPicPr>
-        <p:blipFill>
-          <a:blip r:embed="rId2">
-            <a:extLst>
-              <a:ext uri="{28A0092B-C50C-407E-A947-70E740481C1C}">
-                <a14:useLocalDpi xmlns:a14="http://schemas.microsoft.com/office/drawing/2010/main" val="0"/>
-              </a:ext>
-            </a:extLst>
-          </a:blip>
-          <a:srcRect/>
-          <a:stretch>
-            <a:fillRect/>
-          </a:stretch>
-        </p:blipFill>
-        <p:spPr bwMode="auto">
-          <a:xfrm>
-            <a:off x="2438400" y="2362200"/>
-            <a:ext cx="4000500" cy="4000501"/>
-          </a:xfrm>
-          <a:prstGeom prst="rect">
-            <a:avLst/>
-          </a:prstGeom>
-          <a:noFill/>
-          <a:extLst>
-            <a:ext uri="{909E8E84-426E-40DD-AFC4-6F175D3DCCD1}">
-              <a14:hiddenFill xmlns:a14="http://schemas.microsoft.com/office/drawing/2010/main">
-                <a:solidFill>
-                  <a:srgbClr val="FFFFFF"/>
-                </a:solidFill>
-              </a14:hiddenFill>
-            </a:ext>
-          </a:extLst>
-        </p:spPr>
-      </p:pic>
-    </p:spTree>
-    <p:extLst>
-      <p:ext uri="{BB962C8B-B14F-4D97-AF65-F5344CB8AC3E}">
-        <p14:creationId xmlns:p14="http://schemas.microsoft.com/office/powerpoint/2010/main" val="2725703174"/>
-      </p:ext>
-    </p:extLst>
-  </p:cSld>
-  <p:clrMapOvr>
-    <a:masterClrMapping/>
-  </p:clrMapOvr>
-  <p:timing>
-    <p:tnLst>
-      <p:par>
-        <p:cTn id="1" dur="indefinite" restart="never" nodeType="tmRoot"/>
-      </p:par>
-    </p:tnLst>
-  </p:timing>
-</p:sld>
-</file>
-
-<file path=ppt/slides/slide18.xml><?xml version="1.0" encoding="utf-8"?>
-<p:sld xmlns:a="http://schemas.openxmlformats.org/drawingml/2006/main" xmlns:r="http://schemas.openxmlformats.org/officeDocument/2006/relationships" xmlns:p="http://schemas.openxmlformats.org/presentationml/2006/main">
-  <p:cSld>
-    <p:spTree>
-      <p:nvGrpSpPr>
-        <p:cNvPr id="1" name=""/>
-        <p:cNvGrpSpPr/>
-        <p:nvPr/>
-      </p:nvGrpSpPr>
-      <p:grpSpPr>
-        <a:xfrm>
-          <a:off x="0" y="0"/>
-          <a:ext cx="0" cy="0"/>
-          <a:chOff x="0" y="0"/>
-          <a:chExt cx="0" cy="0"/>
-        </a:xfrm>
-      </p:grpSpPr>
-      <p:sp>
-        <p:nvSpPr>
-          <p:cNvPr id="2" name="Title 1"/>
-          <p:cNvSpPr>
-            <a:spLocks noGrp="1"/>
-          </p:cNvSpPr>
-          <p:nvPr>
-            <p:ph type="title"/>
-          </p:nvPr>
-        </p:nvSpPr>
-        <p:spPr/>
-        <p:txBody>
-          <a:bodyPr/>
-          <a:lstStyle/>
-          <a:p>
-            <a:pPr algn="l"/>
-            <a:r>
-              <a:rPr lang="nl-BE" dirty="0"/>
-              <a:t> </a:t>
-            </a:r>
-            <a:r>
-              <a:rPr lang="nl-BE" b="1" dirty="0" smtClean="0"/>
-              <a:t>LESiNHOUD</a:t>
-            </a:r>
-            <a:endParaRPr lang="nl-BE" b="1" dirty="0"/>
-          </a:p>
-        </p:txBody>
-      </p:sp>
-      <p:sp>
-        <p:nvSpPr>
-          <p:cNvPr id="3" name="Content Placeholder 2"/>
-          <p:cNvSpPr>
-            <a:spLocks noGrp="1"/>
-          </p:cNvSpPr>
-          <p:nvPr>
-            <p:ph idx="1"/>
-          </p:nvPr>
-        </p:nvSpPr>
-        <p:spPr/>
-        <p:txBody>
-          <a:bodyPr/>
-          <a:lstStyle/>
-          <a:p>
-            <a:pPr marL="0" indent="0">
-              <a:buNone/>
-            </a:pPr>
-            <a:r>
-              <a:rPr lang="nl-BE" dirty="0" smtClean="0"/>
               <a:t>:: eigen MVC</a:t>
             </a:r>
             <a:endParaRPr lang="nl-BE" dirty="0"/>
@@ -4522,7 +4391,7 @@
 </p:sld>
 </file>
 
-<file path=ppt/slides/slide19.xml><?xml version="1.0" encoding="utf-8"?>
+<file path=ppt/slides/slide18.xml><?xml version="1.0" encoding="utf-8"?>
 <p:sld xmlns:a="http://schemas.openxmlformats.org/drawingml/2006/main" xmlns:r="http://schemas.openxmlformats.org/officeDocument/2006/relationships" xmlns:p="http://schemas.openxmlformats.org/presentationml/2006/main">
   <p:cSld>
     <p:spTree>
@@ -4587,7 +4456,7 @@
             </a:pPr>
             <a:r>
               <a:rPr lang="nl-BE" dirty="0" smtClean="0"/>
-              <a:t>:: design patterns</a:t>
+              <a:t>:: CodeIgniter</a:t>
             </a:r>
             <a:endParaRPr lang="nl-BE" dirty="0"/>
           </a:p>
@@ -4595,7 +4464,7 @@
       </p:sp>
       <p:pic>
         <p:nvPicPr>
-          <p:cNvPr id="21506" name="Picture 2" descr="http://images.pearsoned-ema.com/jpeg/large/9780201633610.jpg"/>
+          <p:cNvPr id="17410" name="Picture 2" descr="http://jordanclyatt.com/images/codeigniter_logo.png"/>
           <p:cNvPicPr>
             <a:picLocks noChangeAspect="1" noChangeArrowheads="1"/>
           </p:cNvPicPr>
@@ -4615,9 +4484,9 @@
           </a:stretch>
         </p:blipFill>
         <p:spPr bwMode="auto">
-          <a:xfrm rot="545842">
-            <a:off x="3657202" y="2105346"/>
-            <a:ext cx="4953000" cy="6172200"/>
+          <a:xfrm>
+            <a:off x="2438400" y="2362200"/>
+            <a:ext cx="4000500" cy="4000501"/>
           </a:xfrm>
           <a:prstGeom prst="rect">
             <a:avLst/>
@@ -4637,7 +4506,156 @@
     </p:spTree>
     <p:extLst>
       <p:ext uri="{BB962C8B-B14F-4D97-AF65-F5344CB8AC3E}">
-        <p14:creationId xmlns:p14="http://schemas.microsoft.com/office/powerpoint/2010/main" val="3580994338"/>
+        <p14:creationId xmlns:p14="http://schemas.microsoft.com/office/powerpoint/2010/main" val="2725703174"/>
+      </p:ext>
+    </p:extLst>
+  </p:cSld>
+  <p:clrMapOvr>
+    <a:masterClrMapping/>
+  </p:clrMapOvr>
+  <p:timing>
+    <p:tnLst>
+      <p:par>
+        <p:cTn id="1" dur="indefinite" restart="never" nodeType="tmRoot"/>
+      </p:par>
+    </p:tnLst>
+  </p:timing>
+</p:sld>
+</file>
+
+<file path=ppt/slides/slide19.xml><?xml version="1.0" encoding="utf-8"?>
+<p:sld xmlns:a="http://schemas.openxmlformats.org/drawingml/2006/main" xmlns:r="http://schemas.openxmlformats.org/officeDocument/2006/relationships" xmlns:p="http://schemas.openxmlformats.org/presentationml/2006/main">
+  <p:cSld>
+    <p:spTree>
+      <p:nvGrpSpPr>
+        <p:cNvPr id="1" name=""/>
+        <p:cNvGrpSpPr/>
+        <p:nvPr/>
+      </p:nvGrpSpPr>
+      <p:grpSpPr>
+        <a:xfrm>
+          <a:off x="0" y="0"/>
+          <a:ext cx="0" cy="0"/>
+          <a:chOff x="0" y="0"/>
+          <a:chExt cx="0" cy="0"/>
+        </a:xfrm>
+      </p:grpSpPr>
+      <p:sp>
+        <p:nvSpPr>
+          <p:cNvPr id="2" name="Title 1"/>
+          <p:cNvSpPr>
+            <a:spLocks noGrp="1"/>
+          </p:cNvSpPr>
+          <p:nvPr>
+            <p:ph type="title"/>
+          </p:nvPr>
+        </p:nvSpPr>
+        <p:spPr/>
+        <p:txBody>
+          <a:bodyPr/>
+          <a:lstStyle/>
+          <a:p>
+            <a:pPr algn="l"/>
+            <a:r>
+              <a:rPr lang="nl-BE" dirty="0"/>
+              <a:t> </a:t>
+            </a:r>
+            <a:r>
+              <a:rPr lang="nl-BE" b="1" dirty="0" smtClean="0"/>
+              <a:t>LESiNHOUD</a:t>
+            </a:r>
+            <a:endParaRPr lang="nl-BE" b="1" dirty="0"/>
+          </a:p>
+        </p:txBody>
+      </p:sp>
+      <p:sp>
+        <p:nvSpPr>
+          <p:cNvPr id="3" name="Content Placeholder 2"/>
+          <p:cNvSpPr>
+            <a:spLocks noGrp="1"/>
+          </p:cNvSpPr>
+          <p:nvPr>
+            <p:ph idx="1"/>
+          </p:nvPr>
+        </p:nvSpPr>
+        <p:spPr/>
+        <p:txBody>
+          <a:bodyPr/>
+          <a:lstStyle/>
+          <a:p>
+            <a:pPr marL="0" indent="0">
+              <a:buNone/>
+            </a:pPr>
+            <a:r>
+              <a:rPr lang="nl-BE" dirty="0" smtClean="0"/>
+              <a:t>:: </a:t>
+            </a:r>
+            <a:r>
+              <a:rPr lang="nl-BE" dirty="0" err="1" smtClean="0"/>
+              <a:t>Laravel</a:t>
+            </a:r>
+            <a:endParaRPr lang="nl-BE" dirty="0"/>
+          </a:p>
+        </p:txBody>
+      </p:sp>
+      <p:pic>
+        <p:nvPicPr>
+          <p:cNvPr id="1031" name="Picture 7"/>
+          <p:cNvPicPr>
+            <a:picLocks noChangeAspect="1" noChangeArrowheads="1"/>
+          </p:cNvPicPr>
+          <p:nvPr/>
+        </p:nvPicPr>
+        <p:blipFill>
+          <a:blip r:embed="rId2">
+            <a:extLst>
+              <a:ext uri="{28A0092B-C50C-407E-A947-70E740481C1C}">
+                <a14:useLocalDpi xmlns:a14="http://schemas.microsoft.com/office/drawing/2010/main" val="0"/>
+              </a:ext>
+            </a:extLst>
+          </a:blip>
+          <a:srcRect/>
+          <a:stretch>
+            <a:fillRect/>
+          </a:stretch>
+        </p:blipFill>
+        <p:spPr bwMode="auto">
+          <a:xfrm>
+            <a:off x="2319338" y="2514600"/>
+            <a:ext cx="4505325" cy="3790950"/>
+          </a:xfrm>
+          <a:prstGeom prst="rect">
+            <a:avLst/>
+          </a:prstGeom>
+          <a:noFill/>
+          <a:ln>
+            <a:noFill/>
+          </a:ln>
+          <a:extLst>
+            <a:ext uri="{909E8E84-426E-40DD-AFC4-6F175D3DCCD1}">
+              <a14:hiddenFill xmlns:a14="http://schemas.microsoft.com/office/drawing/2010/main">
+                <a:solidFill>
+                  <a:schemeClr val="accent1"/>
+                </a:solidFill>
+              </a14:hiddenFill>
+            </a:ext>
+            <a:ext uri="{91240B29-F687-4F45-9708-019B960494DF}">
+              <a14:hiddenLine xmlns:a14="http://schemas.microsoft.com/office/drawing/2010/main" w="9525">
+                <a:solidFill>
+                  <a:schemeClr val="tx1"/>
+                </a:solidFill>
+                <a:miter lim="800000"/>
+                <a:headEnd/>
+                <a:tailEnd/>
+              </a14:hiddenLine>
+            </a:ext>
+          </a:extLst>
+        </p:spPr>
+      </p:pic>
+    </p:spTree>
+    <p:extLst>
+      <p:ext uri="{BB962C8B-B14F-4D97-AF65-F5344CB8AC3E}">
+        <p14:creationId xmlns:p14="http://schemas.microsoft.com/office/powerpoint/2010/main" val="1761237851"/>
       </p:ext>
     </p:extLst>
   </p:cSld>
@@ -4775,6 +4793,138 @@
 </file>
 
 <file path=ppt/slides/slide20.xml><?xml version="1.0" encoding="utf-8"?>
+<p:sld xmlns:a="http://schemas.openxmlformats.org/drawingml/2006/main" xmlns:r="http://schemas.openxmlformats.org/officeDocument/2006/relationships" xmlns:p="http://schemas.openxmlformats.org/presentationml/2006/main">
+  <p:cSld>
+    <p:spTree>
+      <p:nvGrpSpPr>
+        <p:cNvPr id="1" name=""/>
+        <p:cNvGrpSpPr/>
+        <p:nvPr/>
+      </p:nvGrpSpPr>
+      <p:grpSpPr>
+        <a:xfrm>
+          <a:off x="0" y="0"/>
+          <a:ext cx="0" cy="0"/>
+          <a:chOff x="0" y="0"/>
+          <a:chExt cx="0" cy="0"/>
+        </a:xfrm>
+      </p:grpSpPr>
+      <p:sp>
+        <p:nvSpPr>
+          <p:cNvPr id="2" name="Title 1"/>
+          <p:cNvSpPr>
+            <a:spLocks noGrp="1"/>
+          </p:cNvSpPr>
+          <p:nvPr>
+            <p:ph type="title"/>
+          </p:nvPr>
+        </p:nvSpPr>
+        <p:spPr/>
+        <p:txBody>
+          <a:bodyPr/>
+          <a:lstStyle/>
+          <a:p>
+            <a:pPr algn="l"/>
+            <a:r>
+              <a:rPr lang="nl-BE" dirty="0"/>
+              <a:t> </a:t>
+            </a:r>
+            <a:r>
+              <a:rPr lang="nl-BE" b="1" dirty="0" smtClean="0"/>
+              <a:t>LESiNHOUD</a:t>
+            </a:r>
+            <a:endParaRPr lang="nl-BE" b="1" dirty="0"/>
+          </a:p>
+        </p:txBody>
+      </p:sp>
+      <p:sp>
+        <p:nvSpPr>
+          <p:cNvPr id="3" name="Content Placeholder 2"/>
+          <p:cNvSpPr>
+            <a:spLocks noGrp="1"/>
+          </p:cNvSpPr>
+          <p:nvPr>
+            <p:ph idx="1"/>
+          </p:nvPr>
+        </p:nvSpPr>
+        <p:spPr/>
+        <p:txBody>
+          <a:bodyPr/>
+          <a:lstStyle/>
+          <a:p>
+            <a:pPr marL="0" indent="0">
+              <a:buNone/>
+            </a:pPr>
+            <a:r>
+              <a:rPr lang="nl-BE" dirty="0" smtClean="0"/>
+              <a:t>:: design patterns</a:t>
+            </a:r>
+            <a:endParaRPr lang="nl-BE" dirty="0"/>
+          </a:p>
+        </p:txBody>
+      </p:sp>
+      <p:pic>
+        <p:nvPicPr>
+          <p:cNvPr id="21506" name="Picture 2" descr="http://images.pearsoned-ema.com/jpeg/large/9780201633610.jpg"/>
+          <p:cNvPicPr>
+            <a:picLocks noChangeAspect="1" noChangeArrowheads="1"/>
+          </p:cNvPicPr>
+          <p:nvPr/>
+        </p:nvPicPr>
+        <p:blipFill>
+          <a:blip r:embed="rId2">
+            <a:extLst>
+              <a:ext uri="{28A0092B-C50C-407E-A947-70E740481C1C}">
+                <a14:useLocalDpi xmlns:a14="http://schemas.microsoft.com/office/drawing/2010/main" val="0"/>
+              </a:ext>
+            </a:extLst>
+          </a:blip>
+          <a:srcRect/>
+          <a:stretch>
+            <a:fillRect/>
+          </a:stretch>
+        </p:blipFill>
+        <p:spPr bwMode="auto">
+          <a:xfrm rot="545842">
+            <a:off x="3657202" y="2105346"/>
+            <a:ext cx="4953000" cy="6172200"/>
+          </a:xfrm>
+          <a:prstGeom prst="rect">
+            <a:avLst/>
+          </a:prstGeom>
+          <a:noFill/>
+          <a:extLst>
+            <a:ext uri="{909E8E84-426E-40DD-AFC4-6F175D3DCCD1}">
+              <a14:hiddenFill xmlns:a14="http://schemas.microsoft.com/office/drawing/2010/main">
+                <a:solidFill>
+                  <a:srgbClr val="FFFFFF"/>
+                </a:solidFill>
+              </a14:hiddenFill>
+            </a:ext>
+          </a:extLst>
+        </p:spPr>
+      </p:pic>
+    </p:spTree>
+    <p:extLst>
+      <p:ext uri="{BB962C8B-B14F-4D97-AF65-F5344CB8AC3E}">
+        <p14:creationId xmlns:p14="http://schemas.microsoft.com/office/powerpoint/2010/main" val="3580994338"/>
+      </p:ext>
+    </p:extLst>
+  </p:cSld>
+  <p:clrMapOvr>
+    <a:masterClrMapping/>
+  </p:clrMapOvr>
+  <p:timing>
+    <p:tnLst>
+      <p:par>
+        <p:cTn id="1" dur="indefinite" restart="never" nodeType="tmRoot"/>
+      </p:par>
+    </p:tnLst>
+  </p:timing>
+</p:sld>
+</file>
+
+<file path=ppt/slides/slide21.xml><?xml version="1.0" encoding="utf-8"?>
 <p:sld xmlns:a="http://schemas.openxmlformats.org/drawingml/2006/main" xmlns:r="http://schemas.openxmlformats.org/officeDocument/2006/relationships" xmlns:p="http://schemas.openxmlformats.org/presentationml/2006/main">
   <p:cSld>
     <p:spTree>
@@ -5781,7 +5931,7 @@
             </a:pPr>
             <a:r>
               <a:rPr lang="nl-BE" dirty="0" smtClean="0"/>
-              <a:t>:: create // read // update // delete (MySQL)</a:t>
+              <a:t>:: classes</a:t>
             </a:r>
             <a:endParaRPr lang="nl-BE" dirty="0"/>
           </a:p>
@@ -5789,7 +5939,7 @@
       </p:sp>
       <p:pic>
         <p:nvPicPr>
-          <p:cNvPr id="5122" name="Picture 2" descr="http://slides.alwaysdata.com/201211_django_alwaysdata/images/crud.jpg"/>
+          <p:cNvPr id="15362" name="Picture 2" descr="http://img.1mobile.com/market/screenshot/6a/com.adameve.dumbwaystodie/0.jpeg"/>
           <p:cNvPicPr>
             <a:picLocks noChangeAspect="1" noChangeArrowheads="1"/>
           </p:cNvPicPr>
@@ -5810,8 +5960,8 @@
         </p:blipFill>
         <p:spPr bwMode="auto">
           <a:xfrm>
-            <a:off x="1828800" y="2819400"/>
-            <a:ext cx="5229225" cy="4705351"/>
+            <a:off x="-304800" y="2438400"/>
+            <a:ext cx="9753600" cy="5483722"/>
           </a:xfrm>
           <a:prstGeom prst="rect">
             <a:avLst/>
@@ -5831,7 +5981,7 @@
     </p:spTree>
     <p:extLst>
       <p:ext uri="{BB962C8B-B14F-4D97-AF65-F5344CB8AC3E}">
-        <p14:creationId xmlns:p14="http://schemas.microsoft.com/office/powerpoint/2010/main" val="2786846081"/>
+        <p14:creationId xmlns:p14="http://schemas.microsoft.com/office/powerpoint/2010/main" val="1970782924"/>
       </p:ext>
     </p:extLst>
   </p:cSld>
